--- a/patRec_purple_final.pptx
+++ b/patRec_purple_final.pptx
@@ -19663,25 +19663,14 @@
             </a:r>
           </a:p>
           <a:p>
-            <a:pPr marL="0" marR="0" lvl="0" indent="0" algn="ctr" rtl="0">
-              <a:lnSpc>
-                <a:spcPct val="100000"/>
-              </a:lnSpc>
-              <a:spcBef>
-                <a:spcPts val="0"/>
-              </a:spcBef>
-              <a:spcAft>
-                <a:spcPts val="0"/>
-              </a:spcAft>
-              <a:buNone/>
-            </a:pPr>
+            <a:pPr lvl="0" algn="ctr"/>
             <a:r>
               <a:rPr lang="en-US" sz="1200" b="1" dirty="0" smtClean="0">
                 <a:solidFill>
                   <a:srgbClr val="808080"/>
                 </a:solidFill>
               </a:rPr>
-              <a:t>Pascal</a:t>
+              <a:t>Christina, Pascal, </a:t>
             </a:r>
             <a:r>
               <a:rPr lang="en-US" sz="1200" b="1" dirty="0">
@@ -19689,10 +19678,18 @@
                   <a:srgbClr val="808080"/>
                 </a:solidFill>
               </a:rPr>
-              <a:t>, Christina, </a:t>
+              <a:t>Silas</a:t>
             </a:r>
             <a:r>
-              <a:rPr lang="en-US" sz="1200" b="1" dirty="0" err="1">
+              <a:rPr lang="en-US" sz="1200" b="1" dirty="0" smtClean="0">
+                <a:solidFill>
+                  <a:srgbClr val="808080"/>
+                </a:solidFill>
+              </a:rPr>
+              <a:t>, </a:t>
+            </a:r>
+            <a:r>
+              <a:rPr lang="en-US" sz="1200" b="1" dirty="0" err="1" smtClean="0">
                 <a:solidFill>
                   <a:srgbClr val="808080"/>
                 </a:solidFill>
@@ -19705,7 +19702,7 @@
                   <a:srgbClr val="808080"/>
                 </a:solidFill>
               </a:rPr>
-              <a:t>, Guillaume, Silas, </a:t>
+              <a:t>, Tomasz and </a:t>
             </a:r>
             <a:r>
               <a:rPr lang="en-US" sz="1200" b="1" dirty="0" smtClean="0">
@@ -19713,8 +19710,13 @@
                   <a:srgbClr val="808080"/>
                 </a:solidFill>
               </a:rPr>
-              <a:t>Tomasz</a:t>
+              <a:t>Guillaume</a:t>
             </a:r>
+            <a:endParaRPr lang="en-US" sz="1200" b="1" dirty="0" smtClean="0">
+              <a:solidFill>
+                <a:srgbClr val="808080"/>
+              </a:solidFill>
+            </a:endParaRPr>
           </a:p>
           <a:p>
             <a:pPr marL="0" marR="0" lvl="0" indent="0" algn="ctr" rtl="0">
@@ -19754,8 +19756,21 @@
                   <a:srgbClr val="808080"/>
                 </a:solidFill>
               </a:rPr>
-              <a:t>28 May  2018</a:t>
+              <a:t>28 May </a:t>
             </a:r>
+            <a:r>
+              <a:rPr lang="en-US" sz="1200" b="1" dirty="0" smtClean="0">
+                <a:solidFill>
+                  <a:srgbClr val="808080"/>
+                </a:solidFill>
+              </a:rPr>
+              <a:t>2018</a:t>
+            </a:r>
+            <a:endParaRPr lang="en-US" sz="1200" b="1" dirty="0" smtClean="0">
+              <a:solidFill>
+                <a:srgbClr val="808080"/>
+              </a:solidFill>
+            </a:endParaRPr>
           </a:p>
         </p:txBody>
       </p:sp>
@@ -19905,6 +19920,13 @@
   <p:clrMapOvr>
     <a:masterClrMapping/>
   </p:clrMapOvr>
+  <p:timing>
+    <p:tnLst>
+      <p:par>
+        <p:cTn id="1" dur="indefinite" restart="never" nodeType="tmRoot"/>
+      </p:par>
+    </p:tnLst>
+  </p:timing>
 </p:sld>
 </file>
 
@@ -20015,6 +20037,51 @@
           </a:bodyPr>
           <a:lstStyle/>
           <a:p>
+            <a:pPr lvl="0">
+              <a:buClr>
+                <a:srgbClr val="404040"/>
+              </a:buClr>
+              <a:buSzPts val="2000"/>
+            </a:pPr>
+            <a:endParaRPr lang="en-US" sz="2000" b="1" dirty="0" smtClean="0">
+              <a:solidFill>
+                <a:srgbClr val="404040"/>
+              </a:solidFill>
+            </a:endParaRPr>
+          </a:p>
+          <a:p>
+            <a:pPr lvl="0">
+              <a:buClr>
+                <a:srgbClr val="404040"/>
+              </a:buClr>
+              <a:buSzPts val="2000"/>
+            </a:pPr>
+            <a:r>
+              <a:rPr lang="en-US" sz="2000" b="1" dirty="0" smtClean="0">
+                <a:solidFill>
+                  <a:srgbClr val="404040"/>
+                </a:solidFill>
+              </a:rPr>
+              <a:t>Signature </a:t>
+            </a:r>
+            <a:r>
+              <a:rPr lang="en-US" sz="2000" b="1" dirty="0">
+                <a:solidFill>
+                  <a:srgbClr val="404040"/>
+                </a:solidFill>
+              </a:rPr>
+              <a:t>Verification with </a:t>
+            </a:r>
+            <a:r>
+              <a:rPr lang="en-US" sz="2000" b="1" dirty="0" smtClean="0">
+                <a:solidFill>
+                  <a:srgbClr val="404040"/>
+                </a:solidFill>
+              </a:rPr>
+              <a:t>DTW</a:t>
+            </a:r>
+          </a:p>
+          <a:p>
             <a:pPr marL="342900" lvl="0" indent="-342900">
               <a:buClr>
                 <a:srgbClr val="404040"/>
@@ -20024,28 +20091,27 @@
               <a:buChar char="§"/>
             </a:pPr>
             <a:r>
-              <a:rPr lang="en-US" sz="2000" b="1" dirty="0">
+              <a:rPr lang="en-US" sz="2000" b="1" dirty="0" smtClean="0">
                 <a:solidFill>
                   <a:srgbClr val="404040"/>
                 </a:solidFill>
               </a:rPr>
-              <a:t>Signature Verification with </a:t>
+              <a:t>Features</a:t>
             </a:r>
-            <a:r>
-              <a:rPr lang="en-US" sz="2000" b="1" dirty="0" smtClean="0">
-                <a:solidFill>
-                  <a:srgbClr val="404040"/>
-                </a:solidFill>
-              </a:rPr>
-              <a:t>DTW</a:t>
-            </a:r>
+            <a:endParaRPr lang="en-US" sz="2000" b="1" dirty="0" smtClean="0">
+              <a:solidFill>
+                <a:srgbClr val="404040"/>
+              </a:solidFill>
+            </a:endParaRPr>
           </a:p>
           <a:p>
-            <a:pPr lvl="8">
+            <a:pPr marL="342900" lvl="8" indent="-342900">
               <a:buClr>
                 <a:srgbClr val="404040"/>
               </a:buClr>
               <a:buSzPts val="2000"/>
+              <a:buFont typeface="Wingdings" pitchFamily="2" charset="2"/>
+              <a:buChar char="§"/>
             </a:pPr>
             <a:r>
               <a:rPr lang="en-US" sz="2000" b="1" dirty="0" smtClean="0">
@@ -20053,23 +20119,7 @@
                   <a:srgbClr val="404040"/>
                 </a:solidFill>
               </a:rPr>
-              <a:t>	Features</a:t>
-            </a:r>
-          </a:p>
-          <a:p>
-            <a:pPr lvl="8">
-              <a:buClr>
-                <a:srgbClr val="404040"/>
-              </a:buClr>
-              <a:buSzPts val="2000"/>
-            </a:pPr>
-            <a:r>
-              <a:rPr lang="en-US" sz="2000" b="1" dirty="0" smtClean="0">
-                <a:solidFill>
-                  <a:srgbClr val="404040"/>
-                </a:solidFill>
-              </a:rPr>
-              <a:t>	Results</a:t>
+              <a:t>Results</a:t>
             </a:r>
             <a:endParaRPr lang="en-US" sz="2000" b="1" dirty="0">
               <a:solidFill>
@@ -20093,7 +20143,73 @@
             </a:endParaRPr>
           </a:p>
           <a:p>
-            <a:pPr marL="342900" lvl="0" indent="-342900">
+            <a:pPr lvl="0">
+              <a:buClr>
+                <a:srgbClr val="404040"/>
+              </a:buClr>
+              <a:buSzPts val="2000"/>
+            </a:pPr>
+            <a:r>
+              <a:rPr lang="en-US" sz="2000" b="1" dirty="0" smtClean="0">
+                <a:solidFill>
+                  <a:srgbClr val="404040"/>
+                </a:solidFill>
+              </a:rPr>
+              <a:t>Group </a:t>
+            </a:r>
+            <a:r>
+              <a:rPr lang="en-US" sz="2000" b="1" dirty="0">
+                <a:solidFill>
+                  <a:srgbClr val="404040"/>
+                </a:solidFill>
+              </a:rPr>
+              <a:t>projects </a:t>
+            </a:r>
+            <a:r>
+              <a:rPr lang="en-US" sz="2000" b="1" dirty="0" smtClean="0">
+                <a:solidFill>
+                  <a:srgbClr val="404040"/>
+                </a:solidFill>
+              </a:rPr>
+              <a:t>experiences</a:t>
+            </a:r>
+          </a:p>
+          <a:p>
+            <a:pPr marL="342900" lvl="2" indent="-342900">
+              <a:buClr>
+                <a:srgbClr val="404040"/>
+              </a:buClr>
+              <a:buSzPts val="2000"/>
+              <a:buFont typeface="Wingdings" pitchFamily="2" charset="2"/>
+              <a:buChar char="§"/>
+            </a:pPr>
+            <a:r>
+              <a:rPr lang="en-US" sz="2000" b="1" i="0" u="none" strike="noStrike" cap="none" dirty="0" smtClean="0">
+                <a:solidFill>
+                  <a:srgbClr val="404040"/>
+                </a:solidFill>
+                <a:latin typeface="Arial"/>
+                <a:ea typeface="Arial"/>
+                <a:cs typeface="Arial"/>
+                <a:sym typeface="Arial"/>
+              </a:rPr>
+              <a:t>Team </a:t>
+            </a:r>
+            <a:r>
+              <a:rPr lang="en-US" sz="2000" b="1" i="0" u="none" strike="noStrike" cap="none" dirty="0" smtClean="0">
+                <a:solidFill>
+                  <a:srgbClr val="404040"/>
+                </a:solidFill>
+                <a:latin typeface="Arial"/>
+                <a:ea typeface="Arial"/>
+                <a:cs typeface="Arial"/>
+                <a:sym typeface="Arial"/>
+              </a:rPr>
+              <a:t>organization</a:t>
+            </a:r>
+          </a:p>
+          <a:p>
+            <a:pPr marL="342900" lvl="2" indent="-342900">
               <a:buClr>
                 <a:srgbClr val="404040"/>
               </a:buClr>
@@ -20107,15 +20223,7 @@
                   <a:srgbClr val="404040"/>
                 </a:solidFill>
               </a:rPr>
-              <a:t>Group </a:t>
-            </a:r>
-            <a:r>
-              <a:rPr lang="en-US" sz="2000" b="1" dirty="0">
-                <a:solidFill>
-                  <a:srgbClr val="404040"/>
-                </a:solidFill>
-              </a:rPr>
-              <a:t>projects </a:t>
+              <a:t>Software </a:t>
             </a:r>
             <a:r>
               <a:rPr lang="en-US" sz="2000" b="1" dirty="0" smtClean="0">
@@ -20123,35 +20231,17 @@
                   <a:srgbClr val="404040"/>
                 </a:solidFill>
               </a:rPr>
-              <a:t>experiences</a:t>
+              <a:t>organization</a:t>
             </a:r>
           </a:p>
           <a:p>
-            <a:pPr lvl="2">
+            <a:pPr marL="342900" lvl="2" indent="-342900">
               <a:buClr>
                 <a:srgbClr val="404040"/>
               </a:buClr>
               <a:buSzPts val="2000"/>
-            </a:pPr>
-            <a:r>
-              <a:rPr lang="en-US" sz="2000" b="1" i="0" u="none" strike="noStrike" cap="none" dirty="0" smtClean="0">
-                <a:solidFill>
-                  <a:srgbClr val="404040"/>
-                </a:solidFill>
-                <a:latin typeface="Arial"/>
-                <a:ea typeface="Arial"/>
-                <a:cs typeface="Arial"/>
-                <a:sym typeface="Arial"/>
-              </a:rPr>
-              <a:t>	Team organization</a:t>
-            </a:r>
-          </a:p>
-          <a:p>
-            <a:pPr lvl="2">
-              <a:buClr>
-                <a:srgbClr val="404040"/>
-              </a:buClr>
-              <a:buSzPts val="2000"/>
+              <a:buFont typeface="Wingdings" pitchFamily="2" charset="2"/>
+              <a:buChar char="§"/>
             </a:pPr>
             <a:r>
               <a:rPr lang="en-US" sz="2000" b="1" dirty="0" smtClean="0">
@@ -20159,23 +20249,7 @@
                   <a:srgbClr val="404040"/>
                 </a:solidFill>
               </a:rPr>
-              <a:t>	Software organization</a:t>
-            </a:r>
-          </a:p>
-          <a:p>
-            <a:pPr lvl="2">
-              <a:buClr>
-                <a:srgbClr val="404040"/>
-              </a:buClr>
-              <a:buSzPts val="2000"/>
-            </a:pPr>
-            <a:r>
-              <a:rPr lang="en-US" sz="2000" b="1" dirty="0">
-                <a:solidFill>
-                  <a:srgbClr val="404040"/>
-                </a:solidFill>
-              </a:rPr>
-              <a:t>	Lessons </a:t>
+              <a:t>Lessons </a:t>
             </a:r>
             <a:r>
               <a:rPr lang="en-US" sz="2000" b="1" dirty="0" smtClean="0">
@@ -20220,7 +20294,7 @@
             </a:endParaRPr>
           </a:p>
           <a:p>
-            <a:pPr marL="342900" marR="0" lvl="0" indent="-342900" algn="l" rtl="0">
+            <a:pPr marR="0" lvl="0" algn="l" rtl="0">
               <a:lnSpc>
                 <a:spcPct val="100000"/>
               </a:lnSpc>
@@ -20234,8 +20308,6 @@
                 <a:srgbClr val="404040"/>
               </a:buClr>
               <a:buSzPts val="2000"/>
-              <a:buFont typeface="Wingdings" pitchFamily="2" charset="2"/>
-              <a:buChar char="§"/>
             </a:pPr>
             <a:r>
               <a:rPr lang="en-US" sz="2000" b="1" dirty="0" smtClean="0">
@@ -20262,6 +20334,13 @@
   <p:clrMapOvr>
     <a:masterClrMapping/>
   </p:clrMapOvr>
+  <p:timing>
+    <p:tnLst>
+      <p:par>
+        <p:cTn id="1" dur="indefinite" restart="never" nodeType="tmRoot"/>
+      </p:par>
+    </p:tnLst>
+  </p:timing>
 </p:sld>
 </file>
 
@@ -20410,6 +20489,23 @@
               </a:buClr>
               <a:buSzPts val="2000"/>
             </a:pPr>
+            <a:endParaRPr lang="en-US" sz="2000" b="1" i="0" u="none" strike="noStrike" cap="none" dirty="0" smtClean="0">
+              <a:solidFill>
+                <a:srgbClr val="404040"/>
+              </a:solidFill>
+              <a:latin typeface="Arial"/>
+              <a:ea typeface="Arial"/>
+              <a:cs typeface="Arial"/>
+              <a:sym typeface="Arial"/>
+            </a:endParaRPr>
+          </a:p>
+          <a:p>
+            <a:pPr lvl="0">
+              <a:buClr>
+                <a:srgbClr val="404040"/>
+              </a:buClr>
+              <a:buSzPts val="2000"/>
+            </a:pPr>
             <a:r>
               <a:rPr lang="en-US" sz="2000" b="1" i="0" u="none" strike="noStrike" cap="none" dirty="0" smtClean="0">
                 <a:solidFill>
@@ -20420,7 +20516,19 @@
                 <a:cs typeface="Arial"/>
                 <a:sym typeface="Arial"/>
               </a:rPr>
-              <a:t>Code very similar to previous project (keyword spotting with DTW)</a:t>
+              <a:t>Code </a:t>
+            </a:r>
+            <a:r>
+              <a:rPr lang="en-US" sz="2000" b="1" i="0" u="none" strike="noStrike" cap="none" dirty="0" smtClean="0">
+                <a:solidFill>
+                  <a:srgbClr val="404040"/>
+                </a:solidFill>
+                <a:latin typeface="Arial"/>
+                <a:ea typeface="Arial"/>
+                <a:cs typeface="Arial"/>
+                <a:sym typeface="Arial"/>
+              </a:rPr>
+              <a:t>very similar to previous project (keyword spotting with DTW)</a:t>
             </a:r>
           </a:p>
           <a:p>
@@ -20599,6 +20707,13 @@
   <p:clrMapOvr>
     <a:masterClrMapping/>
   </p:clrMapOvr>
+  <p:timing>
+    <p:tnLst>
+      <p:par>
+        <p:cTn id="1" dur="indefinite" restart="never" nodeType="tmRoot"/>
+      </p:par>
+    </p:tnLst>
+  </p:timing>
 </p:sld>
 </file>
 
@@ -20747,6 +20862,23 @@
               </a:buClr>
               <a:buSzPts val="2000"/>
             </a:pPr>
+            <a:endParaRPr lang="en-US" sz="2000" b="1" i="0" u="none" strike="noStrike" cap="none" dirty="0" smtClean="0">
+              <a:solidFill>
+                <a:srgbClr val="404040"/>
+              </a:solidFill>
+              <a:latin typeface="Arial"/>
+              <a:ea typeface="Arial"/>
+              <a:cs typeface="Arial"/>
+              <a:sym typeface="Arial"/>
+            </a:endParaRPr>
+          </a:p>
+          <a:p>
+            <a:pPr lvl="0">
+              <a:buClr>
+                <a:srgbClr val="404040"/>
+              </a:buClr>
+              <a:buSzPts val="2000"/>
+            </a:pPr>
             <a:r>
               <a:rPr lang="en-US" sz="2000" b="1" i="0" u="none" strike="noStrike" cap="none" dirty="0" smtClean="0">
                 <a:solidFill>
@@ -20757,7 +20889,19 @@
                 <a:cs typeface="Arial"/>
                 <a:sym typeface="Arial"/>
               </a:rPr>
-              <a:t>Applied DTW with 2 threads. </a:t>
+              <a:t>Applied </a:t>
+            </a:r>
+            <a:r>
+              <a:rPr lang="en-US" sz="2000" b="1" i="0" u="none" strike="noStrike" cap="none" dirty="0" smtClean="0">
+                <a:solidFill>
+                  <a:srgbClr val="404040"/>
+                </a:solidFill>
+                <a:latin typeface="Arial"/>
+                <a:ea typeface="Arial"/>
+                <a:cs typeface="Arial"/>
+                <a:sym typeface="Arial"/>
+              </a:rPr>
+              <a:t>DTW with 2 threads. </a:t>
             </a:r>
             <a:endParaRPr lang="en-US" sz="2000" b="1" i="0" u="none" strike="noStrike" cap="none" dirty="0">
               <a:solidFill>
@@ -20780,14 +20924,14 @@
           <p:nvPr>
             <p:extLst>
               <p:ext uri="{D42A27DB-BD31-4B8C-83A1-F6EECF244321}">
-                <p14:modId xmlns:p14="http://schemas.microsoft.com/office/powerpoint/2010/main" val="4091715420"/>
+                <p14:modId xmlns:p14="http://schemas.microsoft.com/office/powerpoint/2010/main" val="1154270753"/>
               </p:ext>
             </p:extLst>
           </p:nvPr>
         </p:nvGraphicFramePr>
         <p:xfrm>
-          <a:off x="1601850" y="2889000"/>
-          <a:ext cx="5940000" cy="1080000"/>
+          <a:off x="432000" y="2889000"/>
+          <a:ext cx="8280000" cy="1080000"/>
         </p:xfrm>
         <a:graphic>
           <a:graphicData uri="http://schemas.openxmlformats.org/drawingml/2006/table">
@@ -20796,9 +20940,10 @@
                 <a:tableStyleId>{00A15C55-8517-42AA-B614-E9B94910E393}</a:tableStyleId>
               </a:tblPr>
               <a:tblGrid>
-                <a:gridCol w="1980000"/>
-                <a:gridCol w="1980000"/>
-                <a:gridCol w="1980000"/>
+                <a:gridCol w="1260000"/>
+                <a:gridCol w="2340000"/>
+                <a:gridCol w="2340000"/>
+                <a:gridCol w="2340000"/>
               </a:tblGrid>
               <a:tr h="360000">
                 <a:tc>
@@ -20808,7 +20953,7 @@
                     <a:p>
                       <a:r>
                         <a:rPr lang="en-US" dirty="0" smtClean="0"/>
-                        <a:t>User 1</a:t>
+                        <a:t>Full run</a:t>
                       </a:r>
                       <a:endParaRPr lang="en-US" dirty="0"/>
                     </a:p>
@@ -20826,9 +20971,54 @@
                       </a:r>
                       <a:r>
                         <a:rPr lang="en-US" noProof="0" dirty="0" err="1" smtClean="0"/>
-                        <a:t>SakoeBand</a:t>
+                        <a:t>Sakoe</a:t>
+                      </a:r>
+                      <a:r>
+                        <a:rPr lang="en-US" noProof="0" dirty="0" smtClean="0"/>
+                        <a:t> Band</a:t>
                       </a:r>
                       <a:endParaRPr lang="en-US" noProof="0" dirty="0"/>
+                    </a:p>
+                  </a:txBody>
+                  <a:tcPr/>
+                </a:tc>
+                <a:tc>
+                  <a:txBody>
+                    <a:bodyPr/>
+                    <a:lstStyle/>
+                    <a:p>
+                      <a:pPr marL="0" marR="0" indent="0" algn="l" defTabSz="914400" rtl="0" eaLnBrk="1" fontAlgn="auto" latinLnBrk="0" hangingPunct="1">
+                        <a:lnSpc>
+                          <a:spcPct val="100000"/>
+                        </a:lnSpc>
+                        <a:spcBef>
+                          <a:spcPts val="0"/>
+                        </a:spcBef>
+                        <a:spcAft>
+                          <a:spcPts val="0"/>
+                        </a:spcAft>
+                        <a:buClr>
+                          <a:srgbClr val="000000"/>
+                        </a:buClr>
+                        <a:buSzTx/>
+                        <a:buFont typeface="Arial"/>
+                        <a:buNone/>
+                        <a:tabLst/>
+                        <a:defRPr/>
+                      </a:pPr>
+                      <a:r>
+                        <a:rPr lang="en-US" dirty="0" smtClean="0"/>
+                        <a:t>with wide </a:t>
+                      </a:r>
+                      <a:r>
+                        <a:rPr lang="en-US" noProof="0" dirty="0" err="1" smtClean="0"/>
+                        <a:t>Sakoe</a:t>
+                      </a:r>
+                      <a:r>
+                        <a:rPr lang="en-US" noProof="0" dirty="0" smtClean="0"/>
+                        <a:t> Band</a:t>
+                      </a:r>
+                      <a:endParaRPr lang="en-US" dirty="0" smtClean="0"/>
                     </a:p>
                   </a:txBody>
                   <a:tcPr/>
@@ -20843,8 +21033,16 @@
                         <a:t>with </a:t>
                       </a:r>
                       <a:r>
+                        <a:rPr lang="en-US" dirty="0" smtClean="0"/>
+                        <a:t>narrow </a:t>
+                      </a:r>
+                      <a:r>
                         <a:rPr lang="en-US" noProof="0" dirty="0" err="1" smtClean="0"/>
-                        <a:t>SakoeBand</a:t>
+                        <a:t>Sakoe</a:t>
+                      </a:r>
+                      <a:r>
+                        <a:rPr lang="en-US" noProof="0" dirty="0" smtClean="0"/>
+                        <a:t> Band</a:t>
                       </a:r>
                       <a:endParaRPr lang="en-US" dirty="0"/>
                     </a:p>
@@ -20879,6 +21077,20 @@
                         <a:rPr lang="de-CH" baseline="0" dirty="0" smtClean="0"/>
                         <a:t> %</a:t>
                       </a:r>
+                    </a:p>
+                  </a:txBody>
+                  <a:tcPr/>
+                </a:tc>
+                <a:tc>
+                  <a:txBody>
+                    <a:bodyPr/>
+                    <a:lstStyle/>
+                    <a:p>
+                      <a:r>
+                        <a:rPr lang="de-CH" dirty="0" smtClean="0"/>
+                        <a:t>58,52 %</a:t>
+                      </a:r>
+                      <a:endParaRPr lang="en-US" dirty="0"/>
                     </a:p>
                   </a:txBody>
                   <a:tcPr/>
@@ -20938,56 +21150,7 @@
                     <a:p>
                       <a:r>
                         <a:rPr lang="de-CH" dirty="0" smtClean="0"/>
-                        <a:t>739.73 s</a:t>
-                      </a:r>
-                      <a:endParaRPr lang="en-US" dirty="0"/>
-                    </a:p>
-                  </a:txBody>
-                  <a:tcPr/>
-                </a:tc>
-              </a:tr>
-            </a:tbl>
-          </a:graphicData>
-        </a:graphic>
-      </p:graphicFrame>
-      <p:graphicFrame>
-        <p:nvGraphicFramePr>
-          <p:cNvPr id="7" name="Table 6"/>
-          <p:cNvGraphicFramePr>
-            <a:graphicFrameLocks noGrp="1"/>
-          </p:cNvGraphicFramePr>
-          <p:nvPr>
-            <p:extLst>
-              <p:ext uri="{D42A27DB-BD31-4B8C-83A1-F6EECF244321}">
-                <p14:modId xmlns:p14="http://schemas.microsoft.com/office/powerpoint/2010/main" val="2202621310"/>
-              </p:ext>
-            </p:extLst>
-          </p:nvPr>
-        </p:nvGraphicFramePr>
-        <p:xfrm>
-          <a:off x="1602000" y="4581128"/>
-          <a:ext cx="5940000" cy="1080000"/>
-        </p:xfrm>
-        <a:graphic>
-          <a:graphicData uri="http://schemas.openxmlformats.org/drawingml/2006/table">
-            <a:tbl>
-              <a:tblPr firstRow="1" bandRow="1">
-                <a:tableStyleId>{00A15C55-8517-42AA-B614-E9B94910E393}</a:tableStyleId>
-              </a:tblPr>
-              <a:tblGrid>
-                <a:gridCol w="1980000"/>
-                <a:gridCol w="1980000"/>
-                <a:gridCol w="1980000"/>
-              </a:tblGrid>
-              <a:tr h="360000">
-                <a:tc>
-                  <a:txBody>
-                    <a:bodyPr/>
-                    <a:lstStyle/>
-                    <a:p>
-                      <a:r>
-                        <a:rPr lang="en-US" dirty="0" smtClean="0"/>
-                        <a:t>Full run</a:t>
+                        <a:t>1555.04</a:t>
                       </a:r>
                       <a:endParaRPr lang="en-US" dirty="0"/>
                     </a:p>
@@ -21000,113 +21163,8 @@
                     <a:lstStyle/>
                     <a:p>
                       <a:r>
-                        <a:rPr lang="en-US" noProof="0" dirty="0" smtClean="0"/>
-                        <a:t>without </a:t>
-                      </a:r>
-                      <a:r>
-                        <a:rPr lang="en-US" noProof="0" dirty="0" err="1" smtClean="0"/>
-                        <a:t>SakoeBand</a:t>
-                      </a:r>
-                      <a:endParaRPr lang="en-US" noProof="0" dirty="0"/>
-                    </a:p>
-                  </a:txBody>
-                  <a:tcPr/>
-                </a:tc>
-                <a:tc>
-                  <a:txBody>
-                    <a:bodyPr/>
-                    <a:lstStyle/>
-                    <a:p>
-                      <a:r>
-                        <a:rPr lang="en-US" dirty="0" smtClean="0"/>
-                        <a:t>with </a:t>
-                      </a:r>
-                      <a:r>
-                        <a:rPr lang="en-US" noProof="0" dirty="0" err="1" smtClean="0"/>
-                        <a:t>SakoeBand</a:t>
-                      </a:r>
-                      <a:endParaRPr lang="en-US" dirty="0"/>
-                    </a:p>
-                  </a:txBody>
-                  <a:tcPr/>
-                </a:tc>
-              </a:tr>
-              <a:tr h="360000">
-                <a:tc>
-                  <a:txBody>
-                    <a:bodyPr/>
-                    <a:lstStyle/>
-                    <a:p>
-                      <a:r>
-                        <a:rPr lang="en-US" dirty="0" smtClean="0"/>
-                        <a:t>Precision:</a:t>
-                      </a:r>
-                    </a:p>
-                  </a:txBody>
-                  <a:tcPr/>
-                </a:tc>
-                <a:tc>
-                  <a:txBody>
-                    <a:bodyPr/>
-                    <a:lstStyle/>
-                    <a:p>
-                      <a:endParaRPr lang="de-CH" baseline="0" dirty="0" smtClean="0"/>
-                    </a:p>
-                  </a:txBody>
-                  <a:tcPr/>
-                </a:tc>
-                <a:tc>
-                  <a:txBody>
-                    <a:bodyPr/>
-                    <a:lstStyle/>
-                    <a:p>
-                      <a:r>
                         <a:rPr lang="de-CH" dirty="0" smtClean="0"/>
-                        <a:t>55,6</a:t>
-                      </a:r>
-                      <a:r>
-                        <a:rPr lang="de-CH" baseline="0" dirty="0" smtClean="0"/>
-                        <a:t> %</a:t>
-                      </a:r>
-                      <a:endParaRPr lang="en-US" dirty="0"/>
-                    </a:p>
-                  </a:txBody>
-                  <a:tcPr/>
-                </a:tc>
-              </a:tr>
-              <a:tr h="360000">
-                <a:tc>
-                  <a:txBody>
-                    <a:bodyPr/>
-                    <a:lstStyle/>
-                    <a:p>
-                      <a:r>
-                        <a:rPr lang="en-US" dirty="0" smtClean="0"/>
-                        <a:t>Time:</a:t>
-                      </a:r>
-                      <a:endParaRPr lang="en-US" dirty="0"/>
-                    </a:p>
-                  </a:txBody>
-                  <a:tcPr/>
-                </a:tc>
-                <a:tc>
-                  <a:txBody>
-                    <a:bodyPr/>
-                    <a:lstStyle/>
-                    <a:p>
-                      <a:endParaRPr lang="en-US" dirty="0"/>
-                    </a:p>
-                  </a:txBody>
-                  <a:tcPr/>
-                </a:tc>
-                <a:tc>
-                  <a:txBody>
-                    <a:bodyPr/>
-                    <a:lstStyle/>
-                    <a:p>
-                      <a:r>
-                        <a:rPr lang="de-CH" dirty="0" smtClean="0"/>
-                        <a:t>15143.56 s</a:t>
+                        <a:t>739.73 s</a:t>
                       </a:r>
                       <a:endParaRPr lang="en-US" dirty="0"/>
                     </a:p>
@@ -21128,6 +21186,13 @@
   <p:clrMapOvr>
     <a:masterClrMapping/>
   </p:clrMapOvr>
+  <p:timing>
+    <p:tnLst>
+      <p:par>
+        <p:cTn id="1" dur="indefinite" restart="never" nodeType="tmRoot"/>
+      </p:par>
+    </p:tnLst>
+  </p:timing>
 </p:sld>
 </file>
 
@@ -21253,6 +21318,23 @@
               </a:buClr>
               <a:buSzPts val="2000"/>
             </a:pPr>
+            <a:endParaRPr lang="en-US" sz="2000" b="1" i="0" u="none" strike="noStrike" cap="none" dirty="0" smtClean="0">
+              <a:solidFill>
+                <a:srgbClr val="404040"/>
+              </a:solidFill>
+              <a:latin typeface="Arial"/>
+              <a:ea typeface="Arial"/>
+              <a:cs typeface="Arial"/>
+              <a:sym typeface="Arial"/>
+            </a:endParaRPr>
+          </a:p>
+          <a:p>
+            <a:pPr lvl="0">
+              <a:buClr>
+                <a:srgbClr val="404040"/>
+              </a:buClr>
+              <a:buSzPts val="2000"/>
+            </a:pPr>
             <a:r>
               <a:rPr lang="en-US" sz="2000" b="1" i="0" u="none" strike="noStrike" cap="none" dirty="0" smtClean="0">
                 <a:solidFill>
@@ -21263,7 +21345,19 @@
                 <a:cs typeface="Arial"/>
                 <a:sym typeface="Arial"/>
               </a:rPr>
-              <a:t>Used primarily group chat in Telegram</a:t>
+              <a:t>Used </a:t>
+            </a:r>
+            <a:r>
+              <a:rPr lang="en-US" sz="2000" b="1" i="0" u="none" strike="noStrike" cap="none" dirty="0" smtClean="0">
+                <a:solidFill>
+                  <a:srgbClr val="404040"/>
+                </a:solidFill>
+                <a:latin typeface="Arial"/>
+                <a:ea typeface="Arial"/>
+                <a:cs typeface="Arial"/>
+                <a:sym typeface="Arial"/>
+              </a:rPr>
+              <a:t>primarily group chat in Telegram</a:t>
             </a:r>
           </a:p>
           <a:p>
@@ -21378,7 +21472,31 @@
                 <a:cs typeface="Arial"/>
                 <a:sym typeface="Arial"/>
               </a:rPr>
-              <a:t>Discussed proceeding with all groups after getting each task.</a:t>
+              <a:t>Discussed proceeding with </a:t>
+            </a:r>
+            <a:r>
+              <a:rPr lang="en-US" sz="2000" b="1" i="0" u="none" strike="noStrike" cap="none" dirty="0" smtClean="0">
+                <a:solidFill>
+                  <a:srgbClr val="404040"/>
+                </a:solidFill>
+                <a:latin typeface="Arial"/>
+                <a:ea typeface="Arial"/>
+                <a:cs typeface="Arial"/>
+                <a:sym typeface="Arial"/>
+              </a:rPr>
+              <a:t>whole group </a:t>
+            </a:r>
+            <a:r>
+              <a:rPr lang="en-US" sz="2000" b="1" i="0" u="none" strike="noStrike" cap="none" dirty="0" smtClean="0">
+                <a:solidFill>
+                  <a:srgbClr val="404040"/>
+                </a:solidFill>
+                <a:latin typeface="Arial"/>
+                <a:ea typeface="Arial"/>
+                <a:cs typeface="Arial"/>
+                <a:sym typeface="Arial"/>
+              </a:rPr>
+              <a:t>after getting each task.</a:t>
             </a:r>
             <a:endParaRPr lang="en-US" sz="2000" b="1" dirty="0">
               <a:solidFill>
@@ -21529,7 +21647,7 @@
         </p:blipFill>
         <p:spPr bwMode="auto">
           <a:xfrm>
-            <a:off x="5387648" y="1737360"/>
+            <a:off x="5387648" y="2081647"/>
             <a:ext cx="384927" cy="384927"/>
           </a:xfrm>
           <a:prstGeom prst="rect">
@@ -21557,6 +21675,13 @@
   <p:clrMapOvr>
     <a:masterClrMapping/>
   </p:clrMapOvr>
+  <p:timing>
+    <p:tnLst>
+      <p:par>
+        <p:cTn id="1" dur="indefinite" restart="never" nodeType="tmRoot"/>
+      </p:par>
+    </p:tnLst>
+  </p:timing>
 </p:sld>
 </file>
 
@@ -21682,6 +21807,23 @@
               </a:buClr>
               <a:buSzPts val="2000"/>
             </a:pPr>
+            <a:endParaRPr lang="en-US" sz="2000" b="1" i="0" u="none" strike="noStrike" cap="none" dirty="0" smtClean="0">
+              <a:solidFill>
+                <a:srgbClr val="404040"/>
+              </a:solidFill>
+              <a:latin typeface="Arial"/>
+              <a:ea typeface="Arial"/>
+              <a:cs typeface="Arial"/>
+              <a:sym typeface="Arial"/>
+            </a:endParaRPr>
+          </a:p>
+          <a:p>
+            <a:pPr lvl="0">
+              <a:buClr>
+                <a:srgbClr val="404040"/>
+              </a:buClr>
+              <a:buSzPts val="2000"/>
+            </a:pPr>
             <a:r>
               <a:rPr lang="en-US" sz="2000" b="1" i="0" u="none" strike="noStrike" cap="none" dirty="0" smtClean="0">
                 <a:solidFill>
@@ -21692,7 +21834,19 @@
                 <a:cs typeface="Arial"/>
                 <a:sym typeface="Arial"/>
               </a:rPr>
-              <a:t>Divided software in different parts:</a:t>
+              <a:t>Divided </a:t>
+            </a:r>
+            <a:r>
+              <a:rPr lang="en-US" sz="2000" b="1" i="0" u="none" strike="noStrike" cap="none" dirty="0" smtClean="0">
+                <a:solidFill>
+                  <a:srgbClr val="404040"/>
+                </a:solidFill>
+                <a:latin typeface="Arial"/>
+                <a:ea typeface="Arial"/>
+                <a:cs typeface="Arial"/>
+                <a:sym typeface="Arial"/>
+              </a:rPr>
+              <a:t>software in different parts:</a:t>
             </a:r>
           </a:p>
           <a:p>
@@ -21841,6 +21995,13 @@
   <p:clrMapOvr>
     <a:masterClrMapping/>
   </p:clrMapOvr>
+  <p:timing>
+    <p:tnLst>
+      <p:par>
+        <p:cTn id="1" dur="indefinite" restart="never" nodeType="tmRoot"/>
+      </p:par>
+    </p:tnLst>
+  </p:timing>
 </p:sld>
 </file>
 
@@ -21966,6 +22127,23 @@
               </a:buClr>
               <a:buSzPts val="2000"/>
             </a:pPr>
+            <a:endParaRPr lang="en-US" sz="2000" b="1" i="0" u="none" strike="noStrike" cap="none" dirty="0" smtClean="0">
+              <a:solidFill>
+                <a:srgbClr val="404040"/>
+              </a:solidFill>
+              <a:latin typeface="Arial"/>
+              <a:ea typeface="Arial"/>
+              <a:cs typeface="Arial"/>
+              <a:sym typeface="Arial"/>
+            </a:endParaRPr>
+          </a:p>
+          <a:p>
+            <a:pPr lvl="0">
+              <a:buClr>
+                <a:srgbClr val="404040"/>
+              </a:buClr>
+              <a:buSzPts val="2000"/>
+            </a:pPr>
             <a:r>
               <a:rPr lang="en-US" sz="2000" b="1" i="0" u="none" strike="noStrike" cap="none" dirty="0" smtClean="0">
                 <a:solidFill>
@@ -21976,7 +22154,19 @@
                 <a:cs typeface="Arial"/>
                 <a:sym typeface="Arial"/>
               </a:rPr>
-              <a:t>Only used one library (</a:t>
+              <a:t>Only </a:t>
+            </a:r>
+            <a:r>
+              <a:rPr lang="en-US" sz="2000" b="1" i="0" u="none" strike="noStrike" cap="none" dirty="0" smtClean="0">
+                <a:solidFill>
+                  <a:srgbClr val="404040"/>
+                </a:solidFill>
+                <a:latin typeface="Arial"/>
+                <a:ea typeface="Arial"/>
+                <a:cs typeface="Arial"/>
+                <a:sym typeface="Arial"/>
+              </a:rPr>
+              <a:t>used one library (</a:t>
             </a:r>
             <a:r>
               <a:rPr lang="en-US" sz="2000" b="1" i="0" u="none" strike="noStrike" cap="none" dirty="0" err="1" smtClean="0">
@@ -22116,6 +22306,13 @@
   <p:clrMapOvr>
     <a:masterClrMapping/>
   </p:clrMapOvr>
+  <p:timing>
+    <p:tnLst>
+      <p:par>
+        <p:cTn id="1" dur="indefinite" restart="never" nodeType="tmRoot"/>
+      </p:par>
+    </p:tnLst>
+  </p:timing>
 </p:sld>
 </file>
 
@@ -22241,13 +22438,52 @@
               </a:buClr>
               <a:buSzPts val="2000"/>
             </a:pPr>
+            <a:endParaRPr lang="en-US" sz="2000" b="1" dirty="0" smtClean="0">
+              <a:solidFill>
+                <a:srgbClr val="404040"/>
+              </a:solidFill>
+            </a:endParaRPr>
+          </a:p>
+          <a:p>
+            <a:pPr lvl="0">
+              <a:buClr>
+                <a:srgbClr val="404040"/>
+              </a:buClr>
+              <a:buSzPts val="2000"/>
+            </a:pPr>
             <a:r>
               <a:rPr lang="en-US" sz="2000" b="1" dirty="0" smtClean="0">
                 <a:solidFill>
                   <a:srgbClr val="404040"/>
                 </a:solidFill>
               </a:rPr>
-              <a:t>Different p</a:t>
+              <a:t>Software:</a:t>
+            </a:r>
+          </a:p>
+          <a:p>
+            <a:pPr marL="342900" lvl="0" indent="-342900">
+              <a:buClr>
+                <a:srgbClr val="404040"/>
+              </a:buClr>
+              <a:buSzPts val="2000"/>
+              <a:buFont typeface="Wingdings" pitchFamily="2" charset="2"/>
+              <a:buChar char="§"/>
+            </a:pPr>
+            <a:r>
+              <a:rPr lang="en-US" sz="2000" b="1" dirty="0" smtClean="0">
+                <a:solidFill>
+                  <a:srgbClr val="404040"/>
+                </a:solidFill>
+              </a:rPr>
+              <a:t>Different </a:t>
+            </a:r>
+            <a:r>
+              <a:rPr lang="en-US" sz="2000" b="1" dirty="0" smtClean="0">
+                <a:solidFill>
+                  <a:srgbClr val="404040"/>
+                </a:solidFill>
+              </a:rPr>
+              <a:t>p</a:t>
             </a:r>
             <a:r>
               <a:rPr lang="en-US" sz="2000" b="1" i="0" u="none" strike="noStrike" cap="none" dirty="0" smtClean="0">
@@ -22259,16 +22495,20 @@
                 <a:cs typeface="Arial"/>
                 <a:sym typeface="Arial"/>
               </a:rPr>
-              <a:t>attern recognition methods</a:t>
+              <a:t>attern recognition </a:t>
             </a:r>
-          </a:p>
-          <a:p>
-            <a:pPr lvl="0">
-              <a:buClr>
-                <a:srgbClr val="404040"/>
-              </a:buClr>
-              <a:buSzPts val="2000"/>
-            </a:pPr>
+            <a:r>
+              <a:rPr lang="en-US" sz="2000" b="1" i="0" u="none" strike="noStrike" cap="none" dirty="0" smtClean="0">
+                <a:solidFill>
+                  <a:srgbClr val="404040"/>
+                </a:solidFill>
+                <a:latin typeface="Arial"/>
+                <a:ea typeface="Arial"/>
+                <a:cs typeface="Arial"/>
+                <a:sym typeface="Arial"/>
+              </a:rPr>
+              <a:t>methods</a:t>
+            </a:r>
             <a:endParaRPr lang="en-US" sz="2000" b="1" dirty="0">
               <a:solidFill>
                 <a:srgbClr val="404040"/>
@@ -22276,11 +22516,13 @@
             </a:endParaRPr>
           </a:p>
           <a:p>
-            <a:pPr lvl="0">
+            <a:pPr marL="342900" lvl="0" indent="-342900">
               <a:buClr>
                 <a:srgbClr val="404040"/>
               </a:buClr>
               <a:buSzPts val="2000"/>
+              <a:buFont typeface="Wingdings" pitchFamily="2" charset="2"/>
+              <a:buChar char="§"/>
             </a:pPr>
             <a:r>
               <a:rPr lang="en-US" sz="2000" b="1" i="0" u="none" strike="noStrike" cap="none" dirty="0" smtClean="0">
@@ -22292,28 +22534,17 @@
                 <a:cs typeface="Arial"/>
                 <a:sym typeface="Arial"/>
               </a:rPr>
-              <a:t>Writing understandable python code (applied DTW horizontally instead of vertically)</a:t>
+              <a:t>Different frameworks and libraries</a:t>
             </a:r>
           </a:p>
           <a:p>
-            <a:pPr lvl="0">
+            <a:pPr marL="342900" indent="-342900">
               <a:buClr>
                 <a:srgbClr val="404040"/>
               </a:buClr>
               <a:buSzPts val="2000"/>
-            </a:pPr>
-            <a:endParaRPr lang="en-US" sz="2000" b="1" dirty="0">
-              <a:solidFill>
-                <a:srgbClr val="404040"/>
-              </a:solidFill>
-            </a:endParaRPr>
-          </a:p>
-          <a:p>
-            <a:pPr lvl="0">
-              <a:buClr>
-                <a:srgbClr val="404040"/>
-              </a:buClr>
-              <a:buSzPts val="2000"/>
+              <a:buFont typeface="Wingdings" pitchFamily="2" charset="2"/>
+              <a:buChar char="§"/>
             </a:pPr>
             <a:r>
               <a:rPr lang="en-US" sz="2000" b="1" dirty="0" smtClean="0">
@@ -22321,9 +22552,25 @@
                   <a:srgbClr val="404040"/>
                 </a:solidFill>
               </a:rPr>
-              <a:t>Knowledge exchange inside group very useful</a:t>
+              <a:t>A lot </a:t>
             </a:r>
-            <a:endParaRPr lang="en-US" sz="2000" b="1" i="0" u="none" strike="noStrike" cap="none" dirty="0">
+            <a:r>
+              <a:rPr lang="en-US" sz="2000" b="1" dirty="0">
+                <a:solidFill>
+                  <a:srgbClr val="404040"/>
+                </a:solidFill>
+              </a:rPr>
+              <a:t>of information can be found </a:t>
+            </a:r>
+            <a:r>
+              <a:rPr lang="en-US" sz="2000" b="1" dirty="0" smtClean="0">
+                <a:solidFill>
+                  <a:srgbClr val="404040"/>
+                </a:solidFill>
+              </a:rPr>
+              <a:t>online</a:t>
+            </a:r>
+            <a:endParaRPr lang="en-US" sz="2000" b="1" i="0" u="none" strike="noStrike" cap="none" dirty="0" smtClean="0">
               <a:solidFill>
                 <a:srgbClr val="404040"/>
               </a:solidFill>
@@ -22332,6 +22579,132 @@
               <a:cs typeface="Arial"/>
               <a:sym typeface="Arial"/>
             </a:endParaRPr>
+          </a:p>
+          <a:p>
+            <a:pPr lvl="0">
+              <a:buClr>
+                <a:srgbClr val="404040"/>
+              </a:buClr>
+              <a:buSzPts val="2000"/>
+            </a:pPr>
+            <a:endParaRPr lang="en-US" sz="2000" b="1" dirty="0" smtClean="0">
+              <a:solidFill>
+                <a:srgbClr val="404040"/>
+              </a:solidFill>
+            </a:endParaRPr>
+          </a:p>
+          <a:p>
+            <a:pPr lvl="0">
+              <a:buClr>
+                <a:srgbClr val="404040"/>
+              </a:buClr>
+              <a:buSzPts val="2000"/>
+            </a:pPr>
+            <a:r>
+              <a:rPr lang="en-US" sz="2000" b="1" dirty="0" smtClean="0">
+                <a:solidFill>
+                  <a:srgbClr val="404040"/>
+                </a:solidFill>
+              </a:rPr>
+              <a:t>Group</a:t>
+            </a:r>
+            <a:endParaRPr lang="en-US" sz="2000" b="1" dirty="0">
+              <a:solidFill>
+                <a:srgbClr val="404040"/>
+              </a:solidFill>
+            </a:endParaRPr>
+          </a:p>
+          <a:p>
+            <a:pPr marL="342900" lvl="0" indent="-342900">
+              <a:buClr>
+                <a:srgbClr val="404040"/>
+              </a:buClr>
+              <a:buSzPts val="2000"/>
+              <a:buFont typeface="Wingdings" pitchFamily="2" charset="2"/>
+              <a:buChar char="§"/>
+            </a:pPr>
+            <a:r>
+              <a:rPr lang="en-US" sz="2000" b="1" i="0" u="none" strike="noStrike" cap="none" dirty="0" smtClean="0">
+                <a:solidFill>
+                  <a:srgbClr val="404040"/>
+                </a:solidFill>
+                <a:latin typeface="Arial"/>
+                <a:ea typeface="Arial"/>
+                <a:cs typeface="Arial"/>
+                <a:sym typeface="Arial"/>
+              </a:rPr>
+              <a:t>Writing understandable python code (applied DTW horizontally instead of vertically</a:t>
+            </a:r>
+            <a:r>
+              <a:rPr lang="en-US" sz="2000" b="1" i="0" u="none" strike="noStrike" cap="none" dirty="0" smtClean="0">
+                <a:solidFill>
+                  <a:srgbClr val="404040"/>
+                </a:solidFill>
+                <a:latin typeface="Arial"/>
+                <a:ea typeface="Arial"/>
+                <a:cs typeface="Arial"/>
+                <a:sym typeface="Arial"/>
+              </a:rPr>
+              <a:t>)</a:t>
+            </a:r>
+            <a:endParaRPr lang="en-US" sz="2000" b="1" dirty="0">
+              <a:solidFill>
+                <a:srgbClr val="404040"/>
+              </a:solidFill>
+            </a:endParaRPr>
+          </a:p>
+          <a:p>
+            <a:pPr marL="342900" lvl="0" indent="-342900">
+              <a:buClr>
+                <a:srgbClr val="404040"/>
+              </a:buClr>
+              <a:buSzPts val="2000"/>
+              <a:buFont typeface="Wingdings" pitchFamily="2" charset="2"/>
+              <a:buChar char="§"/>
+            </a:pPr>
+            <a:r>
+              <a:rPr lang="en-US" sz="2000" b="1" i="0" u="none" strike="noStrike" cap="none" dirty="0" smtClean="0">
+                <a:solidFill>
+                  <a:srgbClr val="404040"/>
+                </a:solidFill>
+                <a:latin typeface="Arial"/>
+                <a:ea typeface="Arial"/>
+                <a:cs typeface="Arial"/>
+                <a:sym typeface="Arial"/>
+              </a:rPr>
+              <a:t>Dependencies on work done by others brings challenges</a:t>
+            </a:r>
+            <a:endParaRPr lang="en-US" sz="2000" b="1" dirty="0">
+              <a:solidFill>
+                <a:srgbClr val="404040"/>
+              </a:solidFill>
+            </a:endParaRPr>
+          </a:p>
+          <a:p>
+            <a:pPr marL="342900" lvl="0" indent="-342900">
+              <a:buClr>
+                <a:srgbClr val="404040"/>
+              </a:buClr>
+              <a:buSzPts val="2000"/>
+              <a:buFont typeface="Wingdings" pitchFamily="2" charset="2"/>
+              <a:buChar char="§"/>
+            </a:pPr>
+            <a:r>
+              <a:rPr lang="en-US" sz="2000" b="1" dirty="0" smtClean="0">
+                <a:solidFill>
+                  <a:srgbClr val="404040"/>
+                </a:solidFill>
+              </a:rPr>
+              <a:t>Knowledge exchange inside group very </a:t>
+            </a:r>
+            <a:r>
+              <a:rPr lang="en-US" sz="2000" b="1" dirty="0" smtClean="0">
+                <a:solidFill>
+                  <a:srgbClr val="404040"/>
+                </a:solidFill>
+              </a:rPr>
+              <a:t>useful</a:t>
+            </a:r>
           </a:p>
         </p:txBody>
       </p:sp>
@@ -22345,6 +22718,13 @@
   <p:clrMapOvr>
     <a:masterClrMapping/>
   </p:clrMapOvr>
+  <p:timing>
+    <p:tnLst>
+      <p:par>
+        <p:cTn id="1" dur="indefinite" restart="never" nodeType="tmRoot"/>
+      </p:par>
+    </p:tnLst>
+  </p:timing>
 </p:sld>
 </file>
 
@@ -22520,6 +22900,13 @@
   <p:clrMapOvr>
     <a:masterClrMapping/>
   </p:clrMapOvr>
+  <p:timing>
+    <p:tnLst>
+      <p:par>
+        <p:cTn id="1" dur="indefinite" restart="never" nodeType="tmRoot"/>
+      </p:par>
+    </p:tnLst>
+  </p:timing>
 </p:sld>
 </file>
 

--- a/patRec_purple_final.pptx
+++ b/patRec_purple_final.pptx
@@ -19712,11 +19712,6 @@
               </a:rPr>
               <a:t>Guillaume</a:t>
             </a:r>
-            <a:endParaRPr lang="en-US" sz="1200" b="1" dirty="0" smtClean="0">
-              <a:solidFill>
-                <a:srgbClr val="808080"/>
-              </a:solidFill>
-            </a:endParaRPr>
           </a:p>
           <a:p>
             <a:pPr marL="0" marR="0" lvl="0" indent="0" algn="ctr" rtl="0">
@@ -19756,21 +19751,8 @@
                   <a:srgbClr val="808080"/>
                 </a:solidFill>
               </a:rPr>
-              <a:t>28 May </a:t>
+              <a:t>28 May 2018</a:t>
             </a:r>
-            <a:r>
-              <a:rPr lang="en-US" sz="1200" b="1" dirty="0" smtClean="0">
-                <a:solidFill>
-                  <a:srgbClr val="808080"/>
-                </a:solidFill>
-              </a:rPr>
-              <a:t>2018</a:t>
-            </a:r>
-            <a:endParaRPr lang="en-US" sz="1200" b="1" dirty="0" smtClean="0">
-              <a:solidFill>
-                <a:srgbClr val="808080"/>
-              </a:solidFill>
-            </a:endParaRPr>
           </a:p>
         </p:txBody>
       </p:sp>
@@ -20098,11 +20080,6 @@
               </a:rPr>
               <a:t>Features</a:t>
             </a:r>
-            <a:endParaRPr lang="en-US" sz="2000" b="1" dirty="0" smtClean="0">
-              <a:solidFill>
-                <a:srgbClr val="404040"/>
-              </a:solidFill>
-            </a:endParaRPr>
           </a:p>
           <a:p>
             <a:pPr marL="342900" lvl="8" indent="-342900">
@@ -20193,17 +20170,31 @@
                 <a:cs typeface="Arial"/>
                 <a:sym typeface="Arial"/>
               </a:rPr>
-              <a:t>Team </a:t>
+              <a:t>Team organization</a:t>
+            </a:r>
+          </a:p>
+          <a:p>
+            <a:pPr marL="342900" lvl="2" indent="-342900">
+              <a:buClr>
+                <a:srgbClr val="404040"/>
+              </a:buClr>
+              <a:buSzPts val="2000"/>
+              <a:buFont typeface="Wingdings" pitchFamily="2" charset="2"/>
+              <a:buChar char="§"/>
+            </a:pPr>
+            <a:r>
+              <a:rPr lang="en-US" sz="2000" b="1" dirty="0" smtClean="0">
+                <a:solidFill>
+                  <a:srgbClr val="404040"/>
+                </a:solidFill>
+              </a:rPr>
+              <a:t>Software </a:t>
             </a:r>
             <a:r>
-              <a:rPr lang="en-US" sz="2000" b="1" i="0" u="none" strike="noStrike" cap="none" dirty="0" smtClean="0">
+              <a:rPr lang="en-US" sz="2000" b="1" dirty="0" smtClean="0">
                 <a:solidFill>
                   <a:srgbClr val="404040"/>
                 </a:solidFill>
-                <a:latin typeface="Arial"/>
-                <a:ea typeface="Arial"/>
-                <a:cs typeface="Arial"/>
-                <a:sym typeface="Arial"/>
               </a:rPr>
               <a:t>organization</a:t>
             </a:r>
@@ -20223,16 +20214,13 @@
                   <a:srgbClr val="404040"/>
                 </a:solidFill>
               </a:rPr>
-              <a:t>Software </a:t>
+              <a:t>Software specials</a:t>
             </a:r>
-            <a:r>
-              <a:rPr lang="en-US" sz="2000" b="1" dirty="0" smtClean="0">
-                <a:solidFill>
-                  <a:srgbClr val="404040"/>
-                </a:solidFill>
-              </a:rPr>
-              <a:t>organization</a:t>
-            </a:r>
+            <a:endParaRPr lang="en-US" sz="2000" b="1" dirty="0" smtClean="0">
+              <a:solidFill>
+                <a:srgbClr val="404040"/>
+              </a:solidFill>
+            </a:endParaRPr>
           </a:p>
           <a:p>
             <a:pPr marL="342900" lvl="2" indent="-342900">
@@ -20249,15 +20237,7 @@
                   <a:srgbClr val="404040"/>
                 </a:solidFill>
               </a:rPr>
-              <a:t>Lessons </a:t>
-            </a:r>
-            <a:r>
-              <a:rPr lang="en-US" sz="2000" b="1" dirty="0" smtClean="0">
-                <a:solidFill>
-                  <a:srgbClr val="404040"/>
-                </a:solidFill>
-              </a:rPr>
-              <a:t>learned</a:t>
+              <a:t>Lessons learned</a:t>
             </a:r>
             <a:endParaRPr sz="2000" b="1" i="0" u="none" strike="noStrike" cap="none" dirty="0" smtClean="0">
               <a:solidFill>
@@ -20516,19 +20496,7 @@
                 <a:cs typeface="Arial"/>
                 <a:sym typeface="Arial"/>
               </a:rPr>
-              <a:t>Code </a:t>
-            </a:r>
-            <a:r>
-              <a:rPr lang="en-US" sz="2000" b="1" i="0" u="none" strike="noStrike" cap="none" dirty="0" smtClean="0">
-                <a:solidFill>
-                  <a:srgbClr val="404040"/>
-                </a:solidFill>
-                <a:latin typeface="Arial"/>
-                <a:ea typeface="Arial"/>
-                <a:cs typeface="Arial"/>
-                <a:sym typeface="Arial"/>
-              </a:rPr>
-              <a:t>very similar to previous project (keyword spotting with DTW)</a:t>
+              <a:t>Code very similar to previous project (keyword spotting with DTW)</a:t>
             </a:r>
           </a:p>
           <a:p>
@@ -20889,19 +20857,7 @@
                 <a:cs typeface="Arial"/>
                 <a:sym typeface="Arial"/>
               </a:rPr>
-              <a:t>Applied </a:t>
-            </a:r>
-            <a:r>
-              <a:rPr lang="en-US" sz="2000" b="1" i="0" u="none" strike="noStrike" cap="none" dirty="0" smtClean="0">
-                <a:solidFill>
-                  <a:srgbClr val="404040"/>
-                </a:solidFill>
-                <a:latin typeface="Arial"/>
-                <a:ea typeface="Arial"/>
-                <a:cs typeface="Arial"/>
-                <a:sym typeface="Arial"/>
-              </a:rPr>
-              <a:t>DTW with 2 threads. </a:t>
+              <a:t>Applied DTW with 2 threads. </a:t>
             </a:r>
             <a:endParaRPr lang="en-US" sz="2000" b="1" i="0" u="none" strike="noStrike" cap="none" dirty="0">
               <a:solidFill>
@@ -21030,11 +20986,7 @@
                     <a:p>
                       <a:r>
                         <a:rPr lang="en-US" dirty="0" smtClean="0"/>
-                        <a:t>with </a:t>
-                      </a:r>
-                      <a:r>
-                        <a:rPr lang="en-US" dirty="0" smtClean="0"/>
-                        <a:t>narrow </a:t>
+                        <a:t>with narrow </a:t>
                       </a:r>
                       <a:r>
                         <a:rPr lang="en-US" noProof="0" dirty="0" err="1" smtClean="0"/>
@@ -21345,19 +21297,7 @@
                 <a:cs typeface="Arial"/>
                 <a:sym typeface="Arial"/>
               </a:rPr>
-              <a:t>Used </a:t>
-            </a:r>
-            <a:r>
-              <a:rPr lang="en-US" sz="2000" b="1" i="0" u="none" strike="noStrike" cap="none" dirty="0" smtClean="0">
-                <a:solidFill>
-                  <a:srgbClr val="404040"/>
-                </a:solidFill>
-                <a:latin typeface="Arial"/>
-                <a:ea typeface="Arial"/>
-                <a:cs typeface="Arial"/>
-                <a:sym typeface="Arial"/>
-              </a:rPr>
-              <a:t>primarily group chat in Telegram</a:t>
+              <a:t>Used primarily group chat in Telegram</a:t>
             </a:r>
           </a:p>
           <a:p>
@@ -21472,31 +21412,7 @@
                 <a:cs typeface="Arial"/>
                 <a:sym typeface="Arial"/>
               </a:rPr>
-              <a:t>Discussed proceeding with </a:t>
-            </a:r>
-            <a:r>
-              <a:rPr lang="en-US" sz="2000" b="1" i="0" u="none" strike="noStrike" cap="none" dirty="0" smtClean="0">
-                <a:solidFill>
-                  <a:srgbClr val="404040"/>
-                </a:solidFill>
-                <a:latin typeface="Arial"/>
-                <a:ea typeface="Arial"/>
-                <a:cs typeface="Arial"/>
-                <a:sym typeface="Arial"/>
-              </a:rPr>
-              <a:t>whole group </a:t>
-            </a:r>
-            <a:r>
-              <a:rPr lang="en-US" sz="2000" b="1" i="0" u="none" strike="noStrike" cap="none" dirty="0" smtClean="0">
-                <a:solidFill>
-                  <a:srgbClr val="404040"/>
-                </a:solidFill>
-                <a:latin typeface="Arial"/>
-                <a:ea typeface="Arial"/>
-                <a:cs typeface="Arial"/>
-                <a:sym typeface="Arial"/>
-              </a:rPr>
-              <a:t>after getting each task.</a:t>
+              <a:t>Discussed proceeding with whole group after getting each task.</a:t>
             </a:r>
             <a:endParaRPr lang="en-US" sz="2000" b="1" dirty="0">
               <a:solidFill>
@@ -21834,19 +21750,7 @@
                 <a:cs typeface="Arial"/>
                 <a:sym typeface="Arial"/>
               </a:rPr>
-              <a:t>Divided </a:t>
-            </a:r>
-            <a:r>
-              <a:rPr lang="en-US" sz="2000" b="1" i="0" u="none" strike="noStrike" cap="none" dirty="0" smtClean="0">
-                <a:solidFill>
-                  <a:srgbClr val="404040"/>
-                </a:solidFill>
-                <a:latin typeface="Arial"/>
-                <a:ea typeface="Arial"/>
-                <a:cs typeface="Arial"/>
-                <a:sym typeface="Arial"/>
-              </a:rPr>
-              <a:t>software in different parts:</a:t>
+              <a:t>Divided software in different parts:</a:t>
             </a:r>
           </a:p>
           <a:p>
@@ -22084,7 +21988,17 @@
                   </a:schemeClr>
                 </a:solidFill>
               </a:rPr>
-              <a:t>Software special</a:t>
+              <a:t>Software </a:t>
+            </a:r>
+            <a:r>
+              <a:rPr lang="en-US" sz="3200" b="1" dirty="0" smtClean="0">
+                <a:solidFill>
+                  <a:schemeClr val="accent4">
+                    <a:lumMod val="75000"/>
+                  </a:schemeClr>
+                </a:solidFill>
+              </a:rPr>
+              <a:t>specials</a:t>
             </a:r>
             <a:endParaRPr lang="en-US" sz="3200" b="1" dirty="0">
               <a:solidFill>
@@ -22145,16 +22059,12 @@
               <a:buSzPts val="2000"/>
             </a:pPr>
             <a:r>
-              <a:rPr lang="en-US" sz="2000" b="1" i="0" u="none" strike="noStrike" cap="none" dirty="0" smtClean="0">
+              <a:rPr lang="en-US" sz="2000" b="1" dirty="0" smtClean="0">
                 <a:solidFill>
                   <a:srgbClr val="404040"/>
                 </a:solidFill>
-                <a:latin typeface="Arial"/>
-                <a:ea typeface="Arial"/>
-                <a:cs typeface="Arial"/>
-                <a:sym typeface="Arial"/>
               </a:rPr>
-              <a:t>Only </a:t>
+              <a:t>U</a:t>
             </a:r>
             <a:r>
               <a:rPr lang="en-US" sz="2000" b="1" i="0" u="none" strike="noStrike" cap="none" dirty="0" smtClean="0">
@@ -22166,7 +22076,19 @@
                 <a:cs typeface="Arial"/>
                 <a:sym typeface="Arial"/>
               </a:rPr>
-              <a:t>used one library (</a:t>
+              <a:t>sed libraries </a:t>
+            </a:r>
+            <a:r>
+              <a:rPr lang="en-US" sz="2000" b="1" i="0" u="none" strike="noStrike" cap="none" dirty="0" smtClean="0">
+                <a:solidFill>
+                  <a:srgbClr val="404040"/>
+                </a:solidFill>
+                <a:latin typeface="Arial"/>
+                <a:ea typeface="Arial"/>
+                <a:cs typeface="Arial"/>
+                <a:sym typeface="Arial"/>
+              </a:rPr>
+              <a:t>(</a:t>
             </a:r>
             <a:r>
               <a:rPr lang="en-US" sz="2000" b="1" i="0" u="none" strike="noStrike" cap="none" dirty="0" err="1" smtClean="0">
@@ -22190,8 +22112,65 @@
                 <a:cs typeface="Arial"/>
                 <a:sym typeface="Arial"/>
               </a:rPr>
-              <a:t> for first task) for producing results.</a:t>
+              <a:t> and </a:t>
             </a:r>
+            <a:r>
+              <a:rPr lang="en-US" sz="2000" b="1" i="0" u="none" strike="noStrike" cap="none" dirty="0" err="1" smtClean="0">
+                <a:solidFill>
+                  <a:srgbClr val="404040"/>
+                </a:solidFill>
+                <a:latin typeface="Arial"/>
+                <a:ea typeface="Arial"/>
+                <a:cs typeface="Arial"/>
+                <a:sym typeface="Arial"/>
+              </a:rPr>
+              <a:t>TensorFlow</a:t>
+            </a:r>
+            <a:r>
+              <a:rPr lang="en-US" sz="2000" b="1" i="0" u="none" strike="noStrike" cap="none" dirty="0" smtClean="0">
+                <a:solidFill>
+                  <a:srgbClr val="404040"/>
+                </a:solidFill>
+                <a:latin typeface="Arial"/>
+                <a:ea typeface="Arial"/>
+                <a:cs typeface="Arial"/>
+                <a:sym typeface="Arial"/>
+              </a:rPr>
+              <a:t>) </a:t>
+            </a:r>
+            <a:r>
+              <a:rPr lang="en-US" sz="2000" b="1" i="0" u="none" strike="noStrike" cap="none" dirty="0" smtClean="0">
+                <a:solidFill>
+                  <a:srgbClr val="404040"/>
+                </a:solidFill>
+                <a:latin typeface="Arial"/>
+                <a:ea typeface="Arial"/>
+                <a:cs typeface="Arial"/>
+                <a:sym typeface="Arial"/>
+              </a:rPr>
+              <a:t>for first </a:t>
+            </a:r>
+            <a:r>
+              <a:rPr lang="en-US" sz="2000" b="1" i="0" u="none" strike="noStrike" cap="none" dirty="0" smtClean="0">
+                <a:solidFill>
+                  <a:srgbClr val="404040"/>
+                </a:solidFill>
+                <a:latin typeface="Arial"/>
+                <a:ea typeface="Arial"/>
+                <a:cs typeface="Arial"/>
+                <a:sym typeface="Arial"/>
+              </a:rPr>
+              <a:t>task.</a:t>
+            </a:r>
+            <a:endParaRPr lang="en-US" sz="2000" b="1" i="0" u="none" strike="noStrike" cap="none" dirty="0" smtClean="0">
+              <a:solidFill>
+                <a:srgbClr val="404040"/>
+              </a:solidFill>
+              <a:latin typeface="Arial"/>
+              <a:ea typeface="Arial"/>
+              <a:cs typeface="Arial"/>
+              <a:sym typeface="Arial"/>
+            </a:endParaRPr>
           </a:p>
           <a:p>
             <a:pPr lvl="0">
@@ -22219,8 +22198,45 @@
                   <a:srgbClr val="404040"/>
                 </a:solidFill>
               </a:rPr>
-              <a:t>Otherwise own code:</a:t>
+              <a:t>DTW with own code (using libraries like </a:t>
             </a:r>
+            <a:r>
+              <a:rPr lang="en-US" sz="2000" b="1" dirty="0" err="1" smtClean="0">
+                <a:solidFill>
+                  <a:srgbClr val="404040"/>
+                </a:solidFill>
+              </a:rPr>
+              <a:t>numpy</a:t>
+            </a:r>
+            <a:r>
+              <a:rPr lang="en-US" sz="2000" b="1" dirty="0">
+                <a:solidFill>
+                  <a:srgbClr val="404040"/>
+                </a:solidFill>
+              </a:rPr>
+              <a:t> </a:t>
+            </a:r>
+            <a:r>
+              <a:rPr lang="en-US" sz="2000" b="1" dirty="0" smtClean="0">
+                <a:solidFill>
+                  <a:srgbClr val="404040"/>
+                </a:solidFill>
+              </a:rPr>
+              <a:t>for computing)</a:t>
+            </a:r>
+            <a:r>
+              <a:rPr lang="en-US" sz="2000" b="1" dirty="0" smtClean="0">
+                <a:solidFill>
+                  <a:srgbClr val="404040"/>
+                </a:solidFill>
+              </a:rPr>
+              <a:t>:</a:t>
+            </a:r>
+            <a:endParaRPr lang="en-US" sz="2000" b="1" dirty="0" smtClean="0">
+              <a:solidFill>
+                <a:srgbClr val="404040"/>
+              </a:solidFill>
+            </a:endParaRPr>
           </a:p>
           <a:p>
             <a:pPr marL="342900" lvl="0" indent="-342900">
@@ -22267,26 +22283,29 @@
               <a:buFont typeface="Wingdings" pitchFamily="2" charset="2"/>
               <a:buChar char="§"/>
             </a:pPr>
-            <a:endParaRPr lang="en-US" sz="2000" b="1" dirty="0">
-              <a:solidFill>
-                <a:srgbClr val="404040"/>
-              </a:solidFill>
-            </a:endParaRPr>
-          </a:p>
-          <a:p>
-            <a:pPr lvl="0">
-              <a:buClr>
-                <a:srgbClr val="404040"/>
-              </a:buClr>
-              <a:buSzPts val="2000"/>
-            </a:pPr>
             <a:r>
               <a:rPr lang="en-US" sz="2000" b="1" dirty="0" smtClean="0">
                 <a:solidFill>
                   <a:srgbClr val="404040"/>
                 </a:solidFill>
               </a:rPr>
-              <a:t>DTW tasks contain concurrency. Numbers of threads can be defined in the code. (Changing from 2 to 4 threads increases speed by almost 50%.)</a:t>
+              <a:t>Concurrent </a:t>
+            </a:r>
+            <a:r>
+              <a:rPr lang="en-US" sz="2000" b="1" smtClean="0">
+                <a:solidFill>
+                  <a:srgbClr val="404040"/>
+                </a:solidFill>
+              </a:rPr>
+              <a:t>as numbers </a:t>
+            </a:r>
+            <a:r>
+              <a:rPr lang="en-US" sz="2000" b="1" dirty="0" smtClean="0">
+                <a:solidFill>
+                  <a:srgbClr val="404040"/>
+                </a:solidFill>
+              </a:rPr>
+              <a:t>of threads can be defined in the code. (Changing from 2 to 4 threads increases speed by almost 50%.)</a:t>
             </a:r>
             <a:endParaRPr lang="en-US" sz="2000" b="1" dirty="0">
               <a:solidFill>
@@ -22475,15 +22494,7 @@
                   <a:srgbClr val="404040"/>
                 </a:solidFill>
               </a:rPr>
-              <a:t>Different </a:t>
-            </a:r>
-            <a:r>
-              <a:rPr lang="en-US" sz="2000" b="1" dirty="0" smtClean="0">
-                <a:solidFill>
-                  <a:srgbClr val="404040"/>
-                </a:solidFill>
-              </a:rPr>
-              <a:t>p</a:t>
+              <a:t>Different p</a:t>
             </a:r>
             <a:r>
               <a:rPr lang="en-US" sz="2000" b="1" i="0" u="none" strike="noStrike" cap="none" dirty="0" smtClean="0">
@@ -22495,19 +22506,7 @@
                 <a:cs typeface="Arial"/>
                 <a:sym typeface="Arial"/>
               </a:rPr>
-              <a:t>attern recognition </a:t>
-            </a:r>
-            <a:r>
-              <a:rPr lang="en-US" sz="2000" b="1" i="0" u="none" strike="noStrike" cap="none" dirty="0" smtClean="0">
-                <a:solidFill>
-                  <a:srgbClr val="404040"/>
-                </a:solidFill>
-                <a:latin typeface="Arial"/>
-                <a:ea typeface="Arial"/>
-                <a:cs typeface="Arial"/>
-                <a:sym typeface="Arial"/>
-              </a:rPr>
-              <a:t>methods</a:t>
+              <a:t>attern recognition methods</a:t>
             </a:r>
             <a:endParaRPr lang="en-US" sz="2000" b="1" dirty="0">
               <a:solidFill>
@@ -22633,19 +22632,7 @@
                 <a:cs typeface="Arial"/>
                 <a:sym typeface="Arial"/>
               </a:rPr>
-              <a:t>Writing understandable python code (applied DTW horizontally instead of vertically</a:t>
-            </a:r>
-            <a:r>
-              <a:rPr lang="en-US" sz="2000" b="1" i="0" u="none" strike="noStrike" cap="none" dirty="0" smtClean="0">
-                <a:solidFill>
-                  <a:srgbClr val="404040"/>
-                </a:solidFill>
-                <a:latin typeface="Arial"/>
-                <a:ea typeface="Arial"/>
-                <a:cs typeface="Arial"/>
-                <a:sym typeface="Arial"/>
-              </a:rPr>
-              <a:t>)</a:t>
+              <a:t>Writing understandable python code (applied DTW horizontally instead of vertically)</a:t>
             </a:r>
             <a:endParaRPr lang="en-US" sz="2000" b="1" dirty="0">
               <a:solidFill>
@@ -22695,15 +22682,7 @@
                   <a:srgbClr val="404040"/>
                 </a:solidFill>
               </a:rPr>
-              <a:t>Knowledge exchange inside group very </a:t>
-            </a:r>
-            <a:r>
-              <a:rPr lang="en-US" sz="2000" b="1" dirty="0" smtClean="0">
-                <a:solidFill>
-                  <a:srgbClr val="404040"/>
-                </a:solidFill>
-              </a:rPr>
-              <a:t>useful</a:t>
+              <a:t>Knowledge exchange inside group very useful</a:t>
             </a:r>
           </a:p>
         </p:txBody>
